--- a/docs/realizar-reserva.pptx
+++ b/docs/realizar-reserva.pptx
@@ -130,124 +130,6 @@
 <file path=ppt/changesInfos/changesInfo1.xml><?xml version="1.0" encoding="utf-8"?>
 <pc:chgInfo xmlns:a="http://schemas.openxmlformats.org/drawingml/2006/main" xmlns:r="http://schemas.openxmlformats.org/officeDocument/2006/relationships" xmlns:ac="http://schemas.microsoft.com/office/drawing/2013/main/command" xmlns:pc="http://schemas.microsoft.com/office/powerpoint/2013/main/command">
   <pc:docChgLst>
-    <pc:chgData name="Carlos Oviedo Gibbons" userId="52882ff64aa77a70" providerId="LiveId" clId="{78818C6A-76FF-479A-92BE-49CA51DAA0EF}"/>
-    <pc:docChg chg="undo redo custSel modSld">
-      <pc:chgData name="Carlos Oviedo Gibbons" userId="52882ff64aa77a70" providerId="LiveId" clId="{78818C6A-76FF-479A-92BE-49CA51DAA0EF}" dt="2022-02-28T20:18:12.519" v="332" actId="478"/>
-      <pc:docMkLst>
-        <pc:docMk/>
-      </pc:docMkLst>
-      <pc:sldChg chg="delSp modSp mod">
-        <pc:chgData name="Carlos Oviedo Gibbons" userId="52882ff64aa77a70" providerId="LiveId" clId="{78818C6A-76FF-479A-92BE-49CA51DAA0EF}" dt="2022-02-28T20:17:05.228" v="321" actId="1076"/>
-        <pc:sldMkLst>
-          <pc:docMk/>
-          <pc:sldMk cId="3404966994" sldId="259"/>
-        </pc:sldMkLst>
-        <pc:spChg chg="del">
-          <ac:chgData name="Carlos Oviedo Gibbons" userId="52882ff64aa77a70" providerId="LiveId" clId="{78818C6A-76FF-479A-92BE-49CA51DAA0EF}" dt="2022-02-28T20:11:35.773" v="0" actId="478"/>
-          <ac:spMkLst>
-            <pc:docMk/>
-            <pc:sldMk cId="3404966994" sldId="259"/>
-            <ac:spMk id="4" creationId="{52BB0D20-6AFF-4AF0-8577-9BEF69390E43}"/>
-          </ac:spMkLst>
-        </pc:spChg>
-        <pc:spChg chg="mod">
-          <ac:chgData name="Carlos Oviedo Gibbons" userId="52882ff64aa77a70" providerId="LiveId" clId="{78818C6A-76FF-479A-92BE-49CA51DAA0EF}" dt="2022-02-28T20:16:58.067" v="319" actId="1076"/>
-          <ac:spMkLst>
-            <pc:docMk/>
-            <pc:sldMk cId="3404966994" sldId="259"/>
-            <ac:spMk id="9" creationId="{7FB89286-B52B-4B6E-8CCB-6EF90C9E85C9}"/>
-          </ac:spMkLst>
-        </pc:spChg>
-        <pc:picChg chg="mod">
-          <ac:chgData name="Carlos Oviedo Gibbons" userId="52882ff64aa77a70" providerId="LiveId" clId="{78818C6A-76FF-479A-92BE-49CA51DAA0EF}" dt="2022-02-28T20:16:59.842" v="320" actId="1076"/>
-          <ac:picMkLst>
-            <pc:docMk/>
-            <pc:sldMk cId="3404966994" sldId="259"/>
-            <ac:picMk id="3" creationId="{16E8DA4A-8D32-4DED-9994-DFC57B083D3E}"/>
-          </ac:picMkLst>
-        </pc:picChg>
-        <pc:cxnChg chg="mod">
-          <ac:chgData name="Carlos Oviedo Gibbons" userId="52882ff64aa77a70" providerId="LiveId" clId="{78818C6A-76FF-479A-92BE-49CA51DAA0EF}" dt="2022-02-28T20:17:05.228" v="321" actId="1076"/>
-          <ac:cxnSpMkLst>
-            <pc:docMk/>
-            <pc:sldMk cId="3404966994" sldId="259"/>
-            <ac:cxnSpMk id="13" creationId="{C3D2D8A3-3C4B-4348-B9CA-9461D5B2FDA3}"/>
-          </ac:cxnSpMkLst>
-        </pc:cxnChg>
-      </pc:sldChg>
-      <pc:sldChg chg="delSp modSp mod">
-        <pc:chgData name="Carlos Oviedo Gibbons" userId="52882ff64aa77a70" providerId="LiveId" clId="{78818C6A-76FF-479A-92BE-49CA51DAA0EF}" dt="2022-02-28T20:16:35.669" v="318" actId="6549"/>
-        <pc:sldMkLst>
-          <pc:docMk/>
-          <pc:sldMk cId="3414696869" sldId="260"/>
-        </pc:sldMkLst>
-        <pc:spChg chg="del">
-          <ac:chgData name="Carlos Oviedo Gibbons" userId="52882ff64aa77a70" providerId="LiveId" clId="{78818C6A-76FF-479A-92BE-49CA51DAA0EF}" dt="2022-02-28T20:11:50.290" v="1" actId="478"/>
-          <ac:spMkLst>
-            <pc:docMk/>
-            <pc:sldMk cId="3414696869" sldId="260"/>
-            <ac:spMk id="4" creationId="{52BB0D20-6AFF-4AF0-8577-9BEF69390E43}"/>
-          </ac:spMkLst>
-        </pc:spChg>
-        <pc:spChg chg="mod">
-          <ac:chgData name="Carlos Oviedo Gibbons" userId="52882ff64aa77a70" providerId="LiveId" clId="{78818C6A-76FF-479A-92BE-49CA51DAA0EF}" dt="2022-02-28T20:15:58.723" v="274" actId="1076"/>
-          <ac:spMkLst>
-            <pc:docMk/>
-            <pc:sldMk cId="3414696869" sldId="260"/>
-            <ac:spMk id="6" creationId="{C3DF7810-F163-4C33-826D-86B3A32ADF4C}"/>
-          </ac:spMkLst>
-        </pc:spChg>
-        <pc:spChg chg="mod">
-          <ac:chgData name="Carlos Oviedo Gibbons" userId="52882ff64aa77a70" providerId="LiveId" clId="{78818C6A-76FF-479A-92BE-49CA51DAA0EF}" dt="2022-02-28T20:16:35.669" v="318" actId="6549"/>
-          <ac:spMkLst>
-            <pc:docMk/>
-            <pc:sldMk cId="3414696869" sldId="260"/>
-            <ac:spMk id="9" creationId="{7FB89286-B52B-4B6E-8CCB-6EF90C9E85C9}"/>
-          </ac:spMkLst>
-        </pc:spChg>
-        <pc:picChg chg="mod">
-          <ac:chgData name="Carlos Oviedo Gibbons" userId="52882ff64aa77a70" providerId="LiveId" clId="{78818C6A-76FF-479A-92BE-49CA51DAA0EF}" dt="2022-02-28T20:15:58.723" v="274" actId="1076"/>
-          <ac:picMkLst>
-            <pc:docMk/>
-            <pc:sldMk cId="3414696869" sldId="260"/>
-            <ac:picMk id="5" creationId="{B0EB4820-36A6-47D6-A035-88D46002ADFF}"/>
-          </ac:picMkLst>
-        </pc:picChg>
-        <pc:picChg chg="mod">
-          <ac:chgData name="Carlos Oviedo Gibbons" userId="52882ff64aa77a70" providerId="LiveId" clId="{78818C6A-76FF-479A-92BE-49CA51DAA0EF}" dt="2022-02-28T20:15:58.723" v="274" actId="1076"/>
-          <ac:picMkLst>
-            <pc:docMk/>
-            <pc:sldMk cId="3414696869" sldId="260"/>
-            <ac:picMk id="8" creationId="{E3C307D2-233F-4B8B-B4ED-09FC577C2F4E}"/>
-          </ac:picMkLst>
-        </pc:picChg>
-        <pc:picChg chg="mod">
-          <ac:chgData name="Carlos Oviedo Gibbons" userId="52882ff64aa77a70" providerId="LiveId" clId="{78818C6A-76FF-479A-92BE-49CA51DAA0EF}" dt="2022-02-28T20:15:58.723" v="274" actId="1076"/>
-          <ac:picMkLst>
-            <pc:docMk/>
-            <pc:sldMk cId="3414696869" sldId="260"/>
-            <ac:picMk id="11" creationId="{3229A2A7-75AD-45BB-8ED7-2AEE1A406C8E}"/>
-          </ac:picMkLst>
-        </pc:picChg>
-      </pc:sldChg>
-      <pc:sldChg chg="addSp delSp modSp mod">
-        <pc:chgData name="Carlos Oviedo Gibbons" userId="52882ff64aa77a70" providerId="LiveId" clId="{78818C6A-76FF-479A-92BE-49CA51DAA0EF}" dt="2022-02-28T20:18:12.519" v="332" actId="478"/>
-        <pc:sldMkLst>
-          <pc:docMk/>
-          <pc:sldMk cId="875569129" sldId="261"/>
-        </pc:sldMkLst>
-        <pc:spChg chg="add del mod">
-          <ac:chgData name="Carlos Oviedo Gibbons" userId="52882ff64aa77a70" providerId="LiveId" clId="{78818C6A-76FF-479A-92BE-49CA51DAA0EF}" dt="2022-02-28T20:18:12.519" v="332" actId="478"/>
-          <ac:spMkLst>
-            <pc:docMk/>
-            <pc:sldMk cId="875569129" sldId="261"/>
-            <ac:spMk id="2" creationId="{C2291C44-6A04-4205-B366-1F6EAE847B97}"/>
-          </ac:spMkLst>
-        </pc:spChg>
-      </pc:sldChg>
-    </pc:docChg>
-  </pc:docChgLst>
-  <pc:docChgLst>
     <pc:chgData name="Carlos Oviedo Gibbons" userId="52882ff64aa77a70" providerId="LiveId" clId="{AA82AC31-8D1B-4925-9308-04EA28BC254E}"/>
     <pc:docChg chg="undo custSel addSld delSld modSld sldOrd">
       <pc:chgData name="Carlos Oviedo Gibbons" userId="52882ff64aa77a70" providerId="LiveId" clId="{AA82AC31-8D1B-4925-9308-04EA28BC254E}" dt="2022-02-28T22:12:32.025" v="2114" actId="47"/>
@@ -888,6 +770,124 @@
       </pc:sldChg>
     </pc:docChg>
   </pc:docChgLst>
+  <pc:docChgLst>
+    <pc:chgData name="Carlos Oviedo Gibbons" userId="52882ff64aa77a70" providerId="LiveId" clId="{78818C6A-76FF-479A-92BE-49CA51DAA0EF}"/>
+    <pc:docChg chg="undo redo custSel modSld">
+      <pc:chgData name="Carlos Oviedo Gibbons" userId="52882ff64aa77a70" providerId="LiveId" clId="{78818C6A-76FF-479A-92BE-49CA51DAA0EF}" dt="2022-02-28T20:18:12.519" v="332" actId="478"/>
+      <pc:docMkLst>
+        <pc:docMk/>
+      </pc:docMkLst>
+      <pc:sldChg chg="delSp modSp mod">
+        <pc:chgData name="Carlos Oviedo Gibbons" userId="52882ff64aa77a70" providerId="LiveId" clId="{78818C6A-76FF-479A-92BE-49CA51DAA0EF}" dt="2022-02-28T20:17:05.228" v="321" actId="1076"/>
+        <pc:sldMkLst>
+          <pc:docMk/>
+          <pc:sldMk cId="3404966994" sldId="259"/>
+        </pc:sldMkLst>
+        <pc:spChg chg="del">
+          <ac:chgData name="Carlos Oviedo Gibbons" userId="52882ff64aa77a70" providerId="LiveId" clId="{78818C6A-76FF-479A-92BE-49CA51DAA0EF}" dt="2022-02-28T20:11:35.773" v="0" actId="478"/>
+          <ac:spMkLst>
+            <pc:docMk/>
+            <pc:sldMk cId="3404966994" sldId="259"/>
+            <ac:spMk id="4" creationId="{52BB0D20-6AFF-4AF0-8577-9BEF69390E43}"/>
+          </ac:spMkLst>
+        </pc:spChg>
+        <pc:spChg chg="mod">
+          <ac:chgData name="Carlos Oviedo Gibbons" userId="52882ff64aa77a70" providerId="LiveId" clId="{78818C6A-76FF-479A-92BE-49CA51DAA0EF}" dt="2022-02-28T20:16:58.067" v="319" actId="1076"/>
+          <ac:spMkLst>
+            <pc:docMk/>
+            <pc:sldMk cId="3404966994" sldId="259"/>
+            <ac:spMk id="9" creationId="{7FB89286-B52B-4B6E-8CCB-6EF90C9E85C9}"/>
+          </ac:spMkLst>
+        </pc:spChg>
+        <pc:picChg chg="mod">
+          <ac:chgData name="Carlos Oviedo Gibbons" userId="52882ff64aa77a70" providerId="LiveId" clId="{78818C6A-76FF-479A-92BE-49CA51DAA0EF}" dt="2022-02-28T20:16:59.842" v="320" actId="1076"/>
+          <ac:picMkLst>
+            <pc:docMk/>
+            <pc:sldMk cId="3404966994" sldId="259"/>
+            <ac:picMk id="3" creationId="{16E8DA4A-8D32-4DED-9994-DFC57B083D3E}"/>
+          </ac:picMkLst>
+        </pc:picChg>
+        <pc:cxnChg chg="mod">
+          <ac:chgData name="Carlos Oviedo Gibbons" userId="52882ff64aa77a70" providerId="LiveId" clId="{78818C6A-76FF-479A-92BE-49CA51DAA0EF}" dt="2022-02-28T20:17:05.228" v="321" actId="1076"/>
+          <ac:cxnSpMkLst>
+            <pc:docMk/>
+            <pc:sldMk cId="3404966994" sldId="259"/>
+            <ac:cxnSpMk id="13" creationId="{C3D2D8A3-3C4B-4348-B9CA-9461D5B2FDA3}"/>
+          </ac:cxnSpMkLst>
+        </pc:cxnChg>
+      </pc:sldChg>
+      <pc:sldChg chg="delSp modSp mod">
+        <pc:chgData name="Carlos Oviedo Gibbons" userId="52882ff64aa77a70" providerId="LiveId" clId="{78818C6A-76FF-479A-92BE-49CA51DAA0EF}" dt="2022-02-28T20:16:35.669" v="318" actId="6549"/>
+        <pc:sldMkLst>
+          <pc:docMk/>
+          <pc:sldMk cId="3414696869" sldId="260"/>
+        </pc:sldMkLst>
+        <pc:spChg chg="del">
+          <ac:chgData name="Carlos Oviedo Gibbons" userId="52882ff64aa77a70" providerId="LiveId" clId="{78818C6A-76FF-479A-92BE-49CA51DAA0EF}" dt="2022-02-28T20:11:50.290" v="1" actId="478"/>
+          <ac:spMkLst>
+            <pc:docMk/>
+            <pc:sldMk cId="3414696869" sldId="260"/>
+            <ac:spMk id="4" creationId="{52BB0D20-6AFF-4AF0-8577-9BEF69390E43}"/>
+          </ac:spMkLst>
+        </pc:spChg>
+        <pc:spChg chg="mod">
+          <ac:chgData name="Carlos Oviedo Gibbons" userId="52882ff64aa77a70" providerId="LiveId" clId="{78818C6A-76FF-479A-92BE-49CA51DAA0EF}" dt="2022-02-28T20:15:58.723" v="274" actId="1076"/>
+          <ac:spMkLst>
+            <pc:docMk/>
+            <pc:sldMk cId="3414696869" sldId="260"/>
+            <ac:spMk id="6" creationId="{C3DF7810-F163-4C33-826D-86B3A32ADF4C}"/>
+          </ac:spMkLst>
+        </pc:spChg>
+        <pc:spChg chg="mod">
+          <ac:chgData name="Carlos Oviedo Gibbons" userId="52882ff64aa77a70" providerId="LiveId" clId="{78818C6A-76FF-479A-92BE-49CA51DAA0EF}" dt="2022-02-28T20:16:35.669" v="318" actId="6549"/>
+          <ac:spMkLst>
+            <pc:docMk/>
+            <pc:sldMk cId="3414696869" sldId="260"/>
+            <ac:spMk id="9" creationId="{7FB89286-B52B-4B6E-8CCB-6EF90C9E85C9}"/>
+          </ac:spMkLst>
+        </pc:spChg>
+        <pc:picChg chg="mod">
+          <ac:chgData name="Carlos Oviedo Gibbons" userId="52882ff64aa77a70" providerId="LiveId" clId="{78818C6A-76FF-479A-92BE-49CA51DAA0EF}" dt="2022-02-28T20:15:58.723" v="274" actId="1076"/>
+          <ac:picMkLst>
+            <pc:docMk/>
+            <pc:sldMk cId="3414696869" sldId="260"/>
+            <ac:picMk id="5" creationId="{B0EB4820-36A6-47D6-A035-88D46002ADFF}"/>
+          </ac:picMkLst>
+        </pc:picChg>
+        <pc:picChg chg="mod">
+          <ac:chgData name="Carlos Oviedo Gibbons" userId="52882ff64aa77a70" providerId="LiveId" clId="{78818C6A-76FF-479A-92BE-49CA51DAA0EF}" dt="2022-02-28T20:15:58.723" v="274" actId="1076"/>
+          <ac:picMkLst>
+            <pc:docMk/>
+            <pc:sldMk cId="3414696869" sldId="260"/>
+            <ac:picMk id="8" creationId="{E3C307D2-233F-4B8B-B4ED-09FC577C2F4E}"/>
+          </ac:picMkLst>
+        </pc:picChg>
+        <pc:picChg chg="mod">
+          <ac:chgData name="Carlos Oviedo Gibbons" userId="52882ff64aa77a70" providerId="LiveId" clId="{78818C6A-76FF-479A-92BE-49CA51DAA0EF}" dt="2022-02-28T20:15:58.723" v="274" actId="1076"/>
+          <ac:picMkLst>
+            <pc:docMk/>
+            <pc:sldMk cId="3414696869" sldId="260"/>
+            <ac:picMk id="11" creationId="{3229A2A7-75AD-45BB-8ED7-2AEE1A406C8E}"/>
+          </ac:picMkLst>
+        </pc:picChg>
+      </pc:sldChg>
+      <pc:sldChg chg="addSp delSp modSp mod">
+        <pc:chgData name="Carlos Oviedo Gibbons" userId="52882ff64aa77a70" providerId="LiveId" clId="{78818C6A-76FF-479A-92BE-49CA51DAA0EF}" dt="2022-02-28T20:18:12.519" v="332" actId="478"/>
+        <pc:sldMkLst>
+          <pc:docMk/>
+          <pc:sldMk cId="875569129" sldId="261"/>
+        </pc:sldMkLst>
+        <pc:spChg chg="add del mod">
+          <ac:chgData name="Carlos Oviedo Gibbons" userId="52882ff64aa77a70" providerId="LiveId" clId="{78818C6A-76FF-479A-92BE-49CA51DAA0EF}" dt="2022-02-28T20:18:12.519" v="332" actId="478"/>
+          <ac:spMkLst>
+            <pc:docMk/>
+            <pc:sldMk cId="875569129" sldId="261"/>
+            <ac:spMk id="2" creationId="{C2291C44-6A04-4205-B366-1F6EAE847B97}"/>
+          </ac:spMkLst>
+        </pc:spChg>
+      </pc:sldChg>
+    </pc:docChg>
+  </pc:docChgLst>
 </pc:chgInfo>
 </file>
 
@@ -973,7 +973,7 @@
           <a:p>
             <a:fld id="{88836C3A-9E39-4549-BCB1-DA298F7EEEDE}" type="datetimeFigureOut">
               <a:rPr lang="es-PY" smtClean="0"/>
-              <a:t>28/2/2022</a:t>
+              <a:t>1/3/2022</a:t>
             </a:fld>
             <a:endParaRPr lang="es-PY"/>
           </a:p>
@@ -1390,7 +1390,7 @@
           <a:p>
             <a:fld id="{130D795E-4F24-4E02-B844-EAC298A70C33}" type="datetime1">
               <a:rPr lang="es-PY" smtClean="0"/>
-              <a:t>28/2/2022</a:t>
+              <a:t>1/3/2022</a:t>
             </a:fld>
             <a:endParaRPr lang="es-PY"/>
           </a:p>
@@ -1590,7 +1590,7 @@
           <a:p>
             <a:fld id="{43D2C6B3-F7EE-4E54-8BD5-CBE0A9C14A74}" type="datetime1">
               <a:rPr lang="es-PY" smtClean="0"/>
-              <a:t>28/2/2022</a:t>
+              <a:t>1/3/2022</a:t>
             </a:fld>
             <a:endParaRPr lang="es-PY"/>
           </a:p>
@@ -1800,7 +1800,7 @@
           <a:p>
             <a:fld id="{AC74F60B-B5ED-44DE-BFF8-609EA162AF6B}" type="datetime1">
               <a:rPr lang="es-PY" smtClean="0"/>
-              <a:t>28/2/2022</a:t>
+              <a:t>1/3/2022</a:t>
             </a:fld>
             <a:endParaRPr lang="es-PY"/>
           </a:p>
@@ -2000,7 +2000,7 @@
           <a:p>
             <a:fld id="{AD8B11B9-186D-448E-8E59-536F70100583}" type="datetime1">
               <a:rPr lang="es-PY" smtClean="0"/>
-              <a:t>28/2/2022</a:t>
+              <a:t>1/3/2022</a:t>
             </a:fld>
             <a:endParaRPr lang="es-PY"/>
           </a:p>
@@ -2276,7 +2276,7 @@
           <a:p>
             <a:fld id="{2D598F9B-F851-4B5B-89EE-2A21136D11C8}" type="datetime1">
               <a:rPr lang="es-PY" smtClean="0"/>
-              <a:t>28/2/2022</a:t>
+              <a:t>1/3/2022</a:t>
             </a:fld>
             <a:endParaRPr lang="es-PY"/>
           </a:p>
@@ -2544,7 +2544,7 @@
           <a:p>
             <a:fld id="{7E24F9F2-40F8-4C99-9FE5-241389A27383}" type="datetime1">
               <a:rPr lang="es-PY" smtClean="0"/>
-              <a:t>28/2/2022</a:t>
+              <a:t>1/3/2022</a:t>
             </a:fld>
             <a:endParaRPr lang="es-PY"/>
           </a:p>
@@ -2959,7 +2959,7 @@
           <a:p>
             <a:fld id="{9AF10E93-E020-4024-9F1A-8FE1339B27DD}" type="datetime1">
               <a:rPr lang="es-PY" smtClean="0"/>
-              <a:t>28/2/2022</a:t>
+              <a:t>1/3/2022</a:t>
             </a:fld>
             <a:endParaRPr lang="es-PY"/>
           </a:p>
@@ -3101,7 +3101,7 @@
           <a:p>
             <a:fld id="{5F15DBC5-D7F7-4B6E-B517-02052F7DC43F}" type="datetime1">
               <a:rPr lang="es-PY" smtClean="0"/>
-              <a:t>28/2/2022</a:t>
+              <a:t>1/3/2022</a:t>
             </a:fld>
             <a:endParaRPr lang="es-PY"/>
           </a:p>
@@ -3214,7 +3214,7 @@
           <a:p>
             <a:fld id="{B7C654C8-2CF9-47C2-B6BB-191142A0002A}" type="datetime1">
               <a:rPr lang="es-PY" smtClean="0"/>
-              <a:t>28/2/2022</a:t>
+              <a:t>1/3/2022</a:t>
             </a:fld>
             <a:endParaRPr lang="es-PY"/>
           </a:p>
@@ -3527,7 +3527,7 @@
           <a:p>
             <a:fld id="{AC589009-4EB8-41DB-98C8-5E4BFF3AC97E}" type="datetime1">
               <a:rPr lang="es-PY" smtClean="0"/>
-              <a:t>28/2/2022</a:t>
+              <a:t>1/3/2022</a:t>
             </a:fld>
             <a:endParaRPr lang="es-PY"/>
           </a:p>
@@ -3816,7 +3816,7 @@
           <a:p>
             <a:fld id="{C398478A-55EF-4631-9DB8-D37CC1A7ECC5}" type="datetime1">
               <a:rPr lang="es-PY" smtClean="0"/>
-              <a:t>28/2/2022</a:t>
+              <a:t>1/3/2022</a:t>
             </a:fld>
             <a:endParaRPr lang="es-PY"/>
           </a:p>
@@ -4059,7 +4059,7 @@
           <a:p>
             <a:fld id="{C3F05E8E-BAB9-4E45-BC9E-BAC6DADC07A6}" type="datetime1">
               <a:rPr lang="es-PY" smtClean="0"/>
-              <a:t>28/2/2022</a:t>
+              <a:t>1/3/2022</a:t>
             </a:fld>
             <a:endParaRPr lang="es-PY"/>
           </a:p>
@@ -5091,10 +5091,7 @@
             </a:r>
           </a:p>
           <a:p>
-            <a:pPr marL="800100" lvl="1" indent="-342900">
-              <a:buFont typeface="+mj-lt"/>
-              <a:buAutoNum type="alphaLcParenR"/>
-            </a:pPr>
+            <a:pPr lvl="1"/>
             <a:r>
               <a:rPr lang="es-ES" dirty="0">
                 <a:ln w="0"/>
@@ -5225,7 +5222,7 @@
         </p:blipFill>
         <p:spPr>
           <a:xfrm>
-            <a:off x="765583" y="2094053"/>
+            <a:off x="721194" y="3727545"/>
             <a:ext cx="595224" cy="646980"/>
           </a:xfrm>
           <a:prstGeom prst="rect">
@@ -5247,8 +5244,8 @@
         </p:nvSpPr>
         <p:spPr>
           <a:xfrm>
-            <a:off x="1777847" y="312306"/>
-            <a:ext cx="7256090" cy="646331"/>
+            <a:off x="1850325" y="393168"/>
+            <a:ext cx="7959501" cy="1200329"/>
           </a:xfrm>
           <a:prstGeom prst="rect">
             <a:avLst/>
@@ -5256,7 +5253,7 @@
           <a:noFill/>
         </p:spPr>
         <p:txBody>
-          <a:bodyPr wrap="none" lIns="91440" tIns="45720" rIns="91440" bIns="45720">
+          <a:bodyPr wrap="square" lIns="91440" tIns="45720" rIns="91440" bIns="45720">
             <a:spAutoFit/>
           </a:bodyPr>
           <a:lstStyle/>
@@ -5276,8 +5273,34 @@
                   </a:outerShdw>
                 </a:effectLst>
               </a:rPr>
-              <a:t>Realizar reservas en celulares Android</a:t>
-            </a:r>
+              <a:t>Realizar reservas en celulares Android, com</a:t>
+            </a:r>
+            <a:r>
+              <a:rPr lang="es-ES" sz="3600" dirty="0">
+                <a:ln w="0"/>
+                <a:effectLst>
+                  <a:outerShdw blurRad="38100" dist="19050" dir="2700000" algn="tl" rotWithShape="0">
+                    <a:schemeClr val="dk1">
+                      <a:alpha val="40000"/>
+                    </a:schemeClr>
+                  </a:outerShdw>
+                </a:effectLst>
+              </a:rPr>
+              <a:t>o Samsung, Xiaomi, entre otros</a:t>
+            </a:r>
+            <a:endParaRPr lang="es-ES" sz="3600" b="0" cap="none" spc="0" dirty="0">
+              <a:ln w="0"/>
+              <a:solidFill>
+                <a:schemeClr val="tx1"/>
+              </a:solidFill>
+              <a:effectLst>
+                <a:outerShdw blurRad="38100" dist="19050" dir="2700000" algn="tl" rotWithShape="0">
+                  <a:schemeClr val="dk1">
+                    <a:alpha val="40000"/>
+                  </a:schemeClr>
+                </a:outerShdw>
+              </a:effectLst>
+            </a:endParaRPr>
           </a:p>
         </p:txBody>
       </p:sp>
@@ -5295,7 +5318,7 @@
         </p:nvSpPr>
         <p:spPr>
           <a:xfrm>
-            <a:off x="765583" y="1172639"/>
+            <a:off x="721194" y="2806131"/>
             <a:ext cx="2024527" cy="777483"/>
           </a:xfrm>
           <a:prstGeom prst="wedgeEllipseCallout">
@@ -5344,7 +5367,7 @@
         </p:nvGrpSpPr>
         <p:grpSpPr>
           <a:xfrm>
-            <a:off x="4509376" y="1065914"/>
+            <a:off x="4464987" y="2699406"/>
             <a:ext cx="2241593" cy="1768416"/>
             <a:chOff x="4975203" y="4011282"/>
             <a:chExt cx="2241593" cy="1768416"/>
@@ -5449,7 +5472,7 @@
         </p:nvSpPr>
         <p:spPr>
           <a:xfrm>
-            <a:off x="3165895" y="1403943"/>
+            <a:off x="3121506" y="3037435"/>
             <a:ext cx="1233577" cy="483076"/>
           </a:xfrm>
           <a:prstGeom prst="rightArrow">
@@ -5495,7 +5518,7 @@
         </p:nvSpPr>
         <p:spPr>
           <a:xfrm>
-            <a:off x="6750969" y="1856827"/>
+            <a:off x="6706580" y="3490319"/>
             <a:ext cx="875174" cy="474452"/>
           </a:xfrm>
           <a:prstGeom prst="wedgeEllipseCallout">
@@ -5547,7 +5570,7 @@
         </p:nvSpPr>
         <p:spPr>
           <a:xfrm>
-            <a:off x="7758985" y="1527427"/>
+            <a:off x="7714596" y="3160919"/>
             <a:ext cx="1233577" cy="483076"/>
           </a:xfrm>
           <a:prstGeom prst="rightArrow">
@@ -5601,7 +5624,7 @@
         </p:blipFill>
         <p:spPr>
           <a:xfrm>
-            <a:off x="9125404" y="955626"/>
+            <a:off x="9081015" y="2589118"/>
             <a:ext cx="1828958" cy="1988992"/>
           </a:xfrm>
           <a:prstGeom prst="rect">
@@ -5623,7 +5646,7 @@
         </p:nvSpPr>
         <p:spPr>
           <a:xfrm>
-            <a:off x="10649617" y="2180317"/>
+            <a:off x="10605228" y="3813809"/>
             <a:ext cx="875174" cy="474452"/>
           </a:xfrm>
           <a:prstGeom prst="wedgeEllipseCallout">
@@ -5705,7 +5728,7 @@
           </p:cNvPicPr>
           <p:nvPr/>
         </p:nvPicPr>
-        <p:blipFill>
+        <p:blipFill rotWithShape="1">
           <a:blip r:embed="rId2">
             <a:extLst>
               <a:ext uri="{28A0092B-C50C-407E-A947-70E740481C1C}">
@@ -5713,14 +5736,13 @@
               </a:ext>
             </a:extLst>
           </a:blip>
-          <a:stretch>
-            <a:fillRect/>
-          </a:stretch>
+          <a:srcRect t="5929" b="33396"/>
+          <a:stretch/>
         </p:blipFill>
         <p:spPr>
           <a:xfrm>
-            <a:off x="619305" y="-60385"/>
-            <a:ext cx="3086100" cy="6858000"/>
+            <a:off x="619305" y="1469233"/>
+            <a:ext cx="3086100" cy="4161071"/>
           </a:xfrm>
           <a:prstGeom prst="rect">
             <a:avLst/>
@@ -5741,7 +5763,7 @@
         </p:nvSpPr>
         <p:spPr>
           <a:xfrm>
-            <a:off x="4251025" y="3549769"/>
+            <a:off x="4943400" y="3855419"/>
             <a:ext cx="2934419" cy="957533"/>
           </a:xfrm>
           <a:prstGeom prst="roundRect">
@@ -5794,13 +5816,14 @@
           </p:cNvPr>
           <p:cNvCxnSpPr>
             <a:cxnSpLocks/>
+            <a:endCxn id="2" idx="1"/>
           </p:cNvCxnSpPr>
           <p:nvPr/>
         </p:nvCxnSpPr>
         <p:spPr>
-          <a:xfrm>
-            <a:off x="2162355" y="4028536"/>
-            <a:ext cx="2012830" cy="0"/>
+          <a:xfrm flipV="1">
+            <a:off x="2162355" y="4334186"/>
+            <a:ext cx="2781045" cy="733988"/>
           </a:xfrm>
           <a:prstGeom prst="straightConnector1">
             <a:avLst/>
@@ -5838,13 +5861,13 @@
         </p:nvSpPr>
         <p:spPr>
           <a:xfrm>
-            <a:off x="4015957" y="0"/>
+            <a:off x="4775904" y="511699"/>
             <a:ext cx="3269412" cy="957534"/>
           </a:xfrm>
           <a:prstGeom prst="wedgeEllipseCallout">
             <a:avLst>
-              <a:gd name="adj1" fmla="val -78617"/>
-              <a:gd name="adj2" fmla="val 34572"/>
+              <a:gd name="adj1" fmla="val -97896"/>
+              <a:gd name="adj2" fmla="val 114306"/>
             </a:avLst>
           </a:prstGeom>
         </p:spPr>
@@ -5890,13 +5913,13 @@
         </p:nvSpPr>
         <p:spPr>
           <a:xfrm>
-            <a:off x="4696005" y="1774884"/>
+            <a:off x="4775904" y="2245400"/>
             <a:ext cx="3269412" cy="957534"/>
           </a:xfrm>
           <a:prstGeom prst="wedgeEllipseCallout">
             <a:avLst>
-              <a:gd name="adj1" fmla="val -78617"/>
-              <a:gd name="adj2" fmla="val 34572"/>
+              <a:gd name="adj1" fmla="val -83505"/>
+              <a:gd name="adj2" fmla="val 91128"/>
             </a:avLst>
           </a:prstGeom>
         </p:spPr>
@@ -5942,7 +5965,7 @@
         </p:nvSpPr>
         <p:spPr>
           <a:xfrm>
-            <a:off x="4251025" y="5324653"/>
+            <a:off x="4943400" y="5589121"/>
             <a:ext cx="2934419" cy="957533"/>
           </a:xfrm>
           <a:prstGeom prst="roundRect">
